--- a/eln_intro_r.pptx
+++ b/eln_intro_r.pptx
@@ -3706,7 +3706,7 @@
             </a:pPr>
             <a:r>
               <a:rPr/>
-              <a:t>Extending</a:t>
+              <a:t>What</a:t>
             </a:r>
             <a:r>
               <a:rPr/>
@@ -3714,7 +3714,7 @@
             </a:r>
             <a:r>
               <a:rPr/>
-              <a:t>Base</a:t>
+              <a:t>can</a:t>
             </a:r>
             <a:r>
               <a:rPr/>
@@ -3722,7 +3722,7 @@
             </a:r>
             <a:r>
               <a:rPr/>
-              <a:t>R:</a:t>
+              <a:t>you</a:t>
             </a:r>
             <a:r>
               <a:rPr/>
@@ -3730,7 +3730,23 @@
             </a:r>
             <a:r>
               <a:rPr/>
-              <a:t>Packages</a:t>
+              <a:t>do</a:t>
+            </a:r>
+            <a:r>
+              <a:rPr/>
+              <a:t> </a:t>
+            </a:r>
+            <a:r>
+              <a:rPr/>
+              <a:t>with</a:t>
+            </a:r>
+            <a:r>
+              <a:rPr/>
+              <a:t> </a:t>
+            </a:r>
+            <a:r>
+              <a:rPr/>
+              <a:t>R?</a:t>
             </a:r>
           </a:p>
         </p:txBody>
@@ -3785,47 +3801,7 @@
             </a:pPr>
             <a:r>
               <a:rPr/>
-              <a:t>What</a:t>
-            </a:r>
-            <a:r>
-              <a:rPr/>
-              <a:t> </a:t>
-            </a:r>
-            <a:r>
-              <a:rPr/>
-              <a:t>can</a:t>
-            </a:r>
-            <a:r>
-              <a:rPr/>
-              <a:t> </a:t>
-            </a:r>
-            <a:r>
-              <a:rPr/>
-              <a:t>you</a:t>
-            </a:r>
-            <a:r>
-              <a:rPr/>
-              <a:t> </a:t>
-            </a:r>
-            <a:r>
-              <a:rPr/>
-              <a:t>do</a:t>
-            </a:r>
-            <a:r>
-              <a:rPr/>
-              <a:t> </a:t>
-            </a:r>
-            <a:r>
-              <a:rPr/>
-              <a:t>with</a:t>
-            </a:r>
-            <a:r>
-              <a:rPr/>
-              <a:t> </a:t>
-            </a:r>
-            <a:r>
-              <a:rPr/>
-              <a:t>R?</a:t>
+              <a:t>Statistics</a:t>
             </a:r>
           </a:p>
         </p:txBody>
@@ -3880,7 +3856,7 @@
             </a:pPr>
             <a:r>
               <a:rPr/>
-              <a:t>Statistics</a:t>
+              <a:t>Geospatial/GIS</a:t>
             </a:r>
           </a:p>
         </p:txBody>
@@ -3935,7 +3911,7 @@
             </a:pPr>
             <a:r>
               <a:rPr/>
-              <a:t>Geospatial/GIS</a:t>
+              <a:t>Documents</a:t>
             </a:r>
           </a:p>
         </p:txBody>
@@ -3990,7 +3966,15 @@
             </a:pPr>
             <a:r>
               <a:rPr/>
-              <a:t>Documents</a:t>
+              <a:t>Web</a:t>
+            </a:r>
+            <a:r>
+              <a:rPr/>
+              <a:t> </a:t>
+            </a:r>
+            <a:r>
+              <a:rPr/>
+              <a:t>applications</a:t>
             </a:r>
           </a:p>
         </p:txBody>
@@ -4045,7 +4029,7 @@
             </a:pPr>
             <a:r>
               <a:rPr/>
-              <a:t>Web</a:t>
+              <a:t>Learn</a:t>
             </a:r>
             <a:r>
               <a:rPr/>
@@ -4053,7 +4037,30 @@
             </a:r>
             <a:r>
               <a:rPr/>
-              <a:t>applications</a:t>
+              <a:t>More</a:t>
+            </a:r>
+          </a:p>
+        </p:txBody>
+      </p:sp>
+      <p:sp>
+        <p:nvSpPr>
+          <p:cNvPr id="3" name="Content Placeholder 2"/>
+          <p:cNvSpPr>
+            <a:spLocks noGrp="1"/>
+          </p:cNvSpPr>
+          <p:nvPr>
+            <p:ph idx="1"/>
+          </p:nvPr>
+        </p:nvSpPr>
+        <p:spPr/>
+        <p:txBody>
+          <a:bodyPr/>
+          <a:lstStyle/>
+          <a:p>
+            <a:pPr lvl="1"/>
+            <a:r>
+              <a:rPr/>
+              <a:t>#rstats</a:t>
             </a:r>
           </a:p>
         </p:txBody>
@@ -4295,7 +4302,13 @@
       </p:grpSpPr>
       <p:sp>
         <p:nvSpPr>
-          <p:cNvPr id="2" name="Title 1"/>
+          <p:cNvPr id="13" name="Title 1">
+            <a:extLst>
+              <a:ext uri="{FF2B5EF4-FFF2-40B4-BE49-F238E27FC236}">
+                <a16:creationId xmlns:a16="http://schemas.microsoft.com/office/drawing/2014/main" id="{4C6F246C-D1D1-4B01-B9F9-AF542DBD4DF6}"/>
+              </a:ext>
+            </a:extLst>
+          </p:cNvPr>
           <p:cNvSpPr>
             <a:spLocks noGrp="1"/>
           </p:cNvSpPr>
@@ -4305,8 +4318,8 @@
         </p:nvSpPr>
         <p:spPr>
           <a:xfrm>
-            <a:off x="457200" y="107879"/>
-            <a:ext cx="8229600" cy="1016071"/>
+            <a:off x="457200" y="62175"/>
+            <a:ext cx="8229600" cy="1071300"/>
           </a:xfrm>
           <a:prstGeom prst="rect">
             <a:avLst/>
@@ -4342,6 +4355,108 @@
           </a:p>
         </p:txBody>
       </p:sp>
+      <p:sp>
+        <p:nvSpPr>
+          <p:cNvPr id="3" name="Content Placeholder 2"/>
+          <p:cNvSpPr>
+            <a:spLocks noGrp="1"/>
+          </p:cNvSpPr>
+          <p:nvPr>
+            <p:ph sz="half" idx="1"/>
+          </p:nvPr>
+        </p:nvSpPr>
+        <p:spPr/>
+        <p:txBody>
+          <a:bodyPr/>
+          <a:lstStyle/>
+          <a:p>
+            <a:pPr lvl="1"/>
+            <a:r>
+              <a:rPr/>
+              <a:t>“Free software environment for statistical computing and graphics”</a:t>
+            </a:r>
+          </a:p>
+          <a:p>
+            <a:pPr lvl="1"/>
+            <a:r>
+              <a:rPr/>
+              <a:t>Dialect of the S language</a:t>
+            </a:r>
+          </a:p>
+          <a:p>
+            <a:pPr lvl="1"/>
+            <a:r>
+              <a:rPr/>
+              <a:t>Written by Ross Ihaka and Robert Gentleman</a:t>
+            </a:r>
+          </a:p>
+          <a:p>
+            <a:pPr lvl="1"/>
+            <a:r>
+              <a:rPr/>
+              <a:t>First Release in 1993, version 1.0 in 2000</a:t>
+            </a:r>
+          </a:p>
+          <a:p>
+            <a:pPr lvl="1"/>
+            <a:r>
+              <a:rPr/>
+              <a:t>Current version 4.0.4 (aka “Lost Library Book”) released Feb 2021.</a:t>
+            </a:r>
+          </a:p>
+          <a:p>
+            <a:pPr lvl="1"/>
+            <a:r>
+              <a:rPr/>
+              <a:t>Fully functional, general purpose programming language</a:t>
+            </a:r>
+          </a:p>
+          <a:p>
+            <a:pPr lvl="1"/>
+            <a:r>
+              <a:rPr/>
+              <a:t>Excels at statistics and visualization</a:t>
+            </a:r>
+          </a:p>
+          <a:p>
+            <a:pPr lvl="1"/>
+            <a:r>
+              <a:rPr/>
+              <a:t>Why is it called “R”?</a:t>
+            </a:r>
+          </a:p>
+        </p:txBody>
+      </p:sp>
+      <p:pic>
+        <p:nvPicPr>
+          <p:cNvPr descr="https://www.r-project.org/logo/Rlogo.png" id="0" name="Picture 1"/>
+          <p:cNvPicPr>
+            <a:picLocks noGrp="1" noChangeAspect="1"/>
+          </p:cNvPicPr>
+          <p:nvPr/>
+        </p:nvPicPr>
+        <p:blipFill>
+          <a:blip r:embed="rId2"/>
+          <a:stretch>
+            <a:fillRect/>
+          </a:stretch>
+        </p:blipFill>
+        <p:spPr bwMode="auto">
+          <a:xfrm>
+            <a:off x="4648200" y="2057400"/>
+            <a:ext cx="4038600" cy="3124200"/>
+          </a:xfrm>
+          <a:prstGeom prst="rect">
+            <a:avLst/>
+          </a:prstGeom>
+          <a:noFill/>
+          <a:ln w="9525">
+            <a:noFill/>
+            <a:headEnd/>
+            <a:tailEnd/>
+          </a:ln>
+        </p:spPr>
+      </p:pic>
     </p:spTree>
   </p:cSld>
 </p:sld>
@@ -4366,7 +4481,13 @@
       </p:grpSpPr>
       <p:sp>
         <p:nvSpPr>
-          <p:cNvPr id="2" name="Title 1"/>
+          <p:cNvPr id="13" name="Title 1">
+            <a:extLst>
+              <a:ext uri="{FF2B5EF4-FFF2-40B4-BE49-F238E27FC236}">
+                <a16:creationId xmlns:a16="http://schemas.microsoft.com/office/drawing/2014/main" id="{4C6F246C-D1D1-4B01-B9F9-AF542DBD4DF6}"/>
+              </a:ext>
+            </a:extLst>
+          </p:cNvPr>
           <p:cNvSpPr>
             <a:spLocks noGrp="1"/>
           </p:cNvSpPr>
@@ -4376,8 +4497,8 @@
         </p:nvSpPr>
         <p:spPr>
           <a:xfrm>
-            <a:off x="457200" y="107879"/>
-            <a:ext cx="8229600" cy="1016071"/>
+            <a:off x="457200" y="62175"/>
+            <a:ext cx="8229600" cy="1071300"/>
           </a:xfrm>
           <a:prstGeom prst="rect">
             <a:avLst/>
@@ -4413,6 +4534,108 @@
           </a:p>
         </p:txBody>
       </p:sp>
+      <p:sp>
+        <p:nvSpPr>
+          <p:cNvPr id="3" name="Content Placeholder 2"/>
+          <p:cNvSpPr>
+            <a:spLocks noGrp="1"/>
+          </p:cNvSpPr>
+          <p:nvPr>
+            <p:ph sz="half" idx="1"/>
+          </p:nvPr>
+        </p:nvSpPr>
+        <p:spPr/>
+        <p:txBody>
+          <a:bodyPr/>
+          <a:lstStyle/>
+          <a:p>
+            <a:pPr lvl="1"/>
+            <a:r>
+              <a:rPr/>
+              <a:t>Free!</a:t>
+            </a:r>
+          </a:p>
+          <a:p>
+            <a:pPr lvl="1"/>
+            <a:r>
+              <a:rPr/>
+              <a:t>Statistics and Graphics</a:t>
+            </a:r>
+          </a:p>
+          <a:p>
+            <a:pPr lvl="1"/>
+            <a:r>
+              <a:rPr/>
+              <a:t>GIS/Spatial</a:t>
+            </a:r>
+          </a:p>
+          <a:p>
+            <a:pPr lvl="1"/>
+            <a:r>
+              <a:rPr/>
+              <a:t>Writing Papers</a:t>
+            </a:r>
+          </a:p>
+          <a:p>
+            <a:pPr lvl="1"/>
+            <a:r>
+              <a:rPr/>
+              <a:t>Presentations (like this one)</a:t>
+            </a:r>
+          </a:p>
+          <a:p>
+            <a:pPr lvl="1"/>
+            <a:r>
+              <a:rPr/>
+              <a:t>Develop new tools</a:t>
+            </a:r>
+          </a:p>
+          <a:p>
+            <a:pPr lvl="1"/>
+            <a:r>
+              <a:rPr/>
+              <a:t>Reproducibility</a:t>
+            </a:r>
+          </a:p>
+          <a:p>
+            <a:pPr lvl="1"/>
+            <a:r>
+              <a:rPr/>
+              <a:t>Open Science</a:t>
+            </a:r>
+          </a:p>
+        </p:txBody>
+      </p:sp>
+      <p:pic>
+        <p:nvPicPr>
+          <p:cNvPr descr="figures/why_i_use_r.jpg" id="0" name="Picture 1"/>
+          <p:cNvPicPr>
+            <a:picLocks noGrp="1" noChangeAspect="1"/>
+          </p:cNvPicPr>
+          <p:nvPr/>
+        </p:nvPicPr>
+        <p:blipFill>
+          <a:blip r:embed="rId2"/>
+          <a:stretch>
+            <a:fillRect/>
+          </a:stretch>
+        </p:blipFill>
+        <p:spPr bwMode="auto">
+          <a:xfrm>
+            <a:off x="4648200" y="1841500"/>
+            <a:ext cx="4038600" cy="3581400"/>
+          </a:xfrm>
+          <a:prstGeom prst="rect">
+            <a:avLst/>
+          </a:prstGeom>
+          <a:noFill/>
+          <a:ln w="9525">
+            <a:noFill/>
+            <a:headEnd/>
+            <a:tailEnd/>
+          </a:ln>
+        </p:spPr>
+      </p:pic>
     </p:spTree>
   </p:cSld>
 </p:sld>
@@ -4463,7 +4686,7 @@
             </a:pPr>
             <a:r>
               <a:rPr/>
-              <a:t>Why</a:t>
+              <a:t>Python</a:t>
             </a:r>
             <a:r>
               <a:rPr/>
@@ -4471,23 +4694,7 @@
             </a:r>
             <a:r>
               <a:rPr/>
-              <a:t>I</a:t>
-            </a:r>
-            <a:r>
-              <a:rPr/>
-              <a:t> </a:t>
-            </a:r>
-            <a:r>
-              <a:rPr/>
-              <a:t>use</a:t>
-            </a:r>
-            <a:r>
-              <a:rPr/>
-              <a:t> </a:t>
-            </a:r>
-            <a:r>
-              <a:rPr/>
-              <a:t>R?</a:t>
+              <a:t>vs. R</a:t>
             </a:r>
           </a:p>
         </p:txBody>
@@ -4549,8 +4756,24 @@
               <a:t> </a:t>
             </a:r>
             <a:r>
-              <a:rPr/>
-              <a:t>vs. R</a:t>
+              <a:rPr strike="sngStrike"/>
+              <a:t>vs.</a:t>
+            </a:r>
+            <a:r>
+              <a:rPr/>
+              <a:t> </a:t>
+            </a:r>
+            <a:r>
+              <a:rPr/>
+              <a:t>&amp;</a:t>
+            </a:r>
+            <a:r>
+              <a:rPr/>
+              <a:t> </a:t>
+            </a:r>
+            <a:r>
+              <a:rPr/>
+              <a:t>R</a:t>
             </a:r>
           </a:p>
         </p:txBody>
@@ -4605,15 +4828,15 @@
             </a:pPr>
             <a:r>
               <a:rPr/>
-              <a:t>Python</a:t>
+              <a:t>R</a:t>
             </a:r>
             <a:r>
               <a:rPr/>
               <a:t> </a:t>
             </a:r>
             <a:r>
-              <a:rPr strike="sngStrike"/>
-              <a:t>vs.</a:t>
+              <a:rPr/>
+              <a:t>and</a:t>
             </a:r>
             <a:r>
               <a:rPr/>
@@ -4621,15 +4844,37 @@
             </a:r>
             <a:r>
               <a:rPr/>
-              <a:t>&amp;</a:t>
-            </a:r>
-            <a:r>
-              <a:rPr/>
-              <a:t> </a:t>
-            </a:r>
-            <a:r>
-              <a:rPr/>
-              <a:t>R</a:t>
+              <a:t>EPA</a:t>
+            </a:r>
+          </a:p>
+        </p:txBody>
+      </p:sp>
+      <p:sp>
+        <p:nvSpPr>
+          <p:cNvPr id="3" name="Content Placeholder 2"/>
+          <p:cNvSpPr>
+            <a:spLocks noGrp="1"/>
+          </p:cNvSpPr>
+          <p:nvPr>
+            <p:ph idx="1"/>
+          </p:nvPr>
+        </p:nvSpPr>
+        <p:spPr/>
+        <p:txBody>
+          <a:bodyPr/>
+          <a:lstStyle/>
+          <a:p>
+            <a:pPr lvl="1"/>
+            <a:r>
+              <a:rPr/>
+              <a:t>R Users Group</a:t>
+            </a:r>
+          </a:p>
+          <a:p>
+            <a:pPr lvl="1"/>
+            <a:r>
+              <a:rPr/>
+              <a:t>Installations</a:t>
             </a:r>
           </a:p>
         </p:txBody>
@@ -4684,53 +4929,15 @@
             </a:pPr>
             <a:r>
               <a:rPr/>
+              <a:t>Base</a:t>
+            </a:r>
+            <a:r>
+              <a:rPr/>
+              <a:t> </a:t>
+            </a:r>
+            <a:r>
+              <a:rPr/>
               <a:t>R</a:t>
-            </a:r>
-            <a:r>
-              <a:rPr/>
-              <a:t> </a:t>
-            </a:r>
-            <a:r>
-              <a:rPr/>
-              <a:t>and</a:t>
-            </a:r>
-            <a:r>
-              <a:rPr/>
-              <a:t> </a:t>
-            </a:r>
-            <a:r>
-              <a:rPr/>
-              <a:t>EPA</a:t>
-            </a:r>
-          </a:p>
-        </p:txBody>
-      </p:sp>
-      <p:sp>
-        <p:nvSpPr>
-          <p:cNvPr id="3" name="Content Placeholder 2"/>
-          <p:cNvSpPr>
-            <a:spLocks noGrp="1"/>
-          </p:cNvSpPr>
-          <p:nvPr>
-            <p:ph idx="1"/>
-          </p:nvPr>
-        </p:nvSpPr>
-        <p:spPr/>
-        <p:txBody>
-          <a:bodyPr/>
-          <a:lstStyle/>
-          <a:p>
-            <a:pPr lvl="1"/>
-            <a:r>
-              <a:rPr/>
-              <a:t>R Users Group</a:t>
-            </a:r>
-          </a:p>
-          <a:p>
-            <a:pPr lvl="1"/>
-            <a:r>
-              <a:rPr/>
-              <a:t>Installations</a:t>
             </a:r>
           </a:p>
         </p:txBody>
@@ -4785,6 +4992,14 @@
             </a:pPr>
             <a:r>
               <a:rPr/>
+              <a:t>Extending</a:t>
+            </a:r>
+            <a:r>
+              <a:rPr/>
+              <a:t> </a:t>
+            </a:r>
+            <a:r>
+              <a:rPr/>
               <a:t>Base</a:t>
             </a:r>
             <a:r>
@@ -4793,7 +5008,15 @@
             </a:r>
             <a:r>
               <a:rPr/>
-              <a:t>R</a:t>
+              <a:t>R:</a:t>
+            </a:r>
+            <a:r>
+              <a:rPr/>
+              <a:t> </a:t>
+            </a:r>
+            <a:r>
+              <a:rPr/>
+              <a:t>Packages</a:t>
             </a:r>
           </a:p>
         </p:txBody>
